--- a/CS5285_Infor_Security_for_E-comm/课件笔记.pptx
+++ b/CS5285_Infor_Security_for_E-comm/课件笔记.pptx
@@ -124,6 +124,9 @@
             <p14:sldId id="260"/>
           </p14:sldIdLst>
         </p14:section>
+        <p14:section name="week4" id="{D8E89133-247F-4470-A70B-CAA8F0AD11D1}">
+          <p14:sldIdLst/>
+        </p14:section>
       </p14:sectionLst>
     </p:ext>
     <p:ext uri="{EFAFB233-063F-42B5-8137-9DF3F51BA10A}">
@@ -280,7 +283,7 @@
           <a:p>
             <a:fld id="{A16660C0-697F-4A71-A128-5BC4EBA1888E}" type="datetimeFigureOut">
               <a:rPr lang="zh-CN" altLang="en-US" smtClean="0"/>
-              <a:t>2024/9/10</a:t>
+              <a:t>2024/9/24</a:t>
             </a:fld>
             <a:endParaRPr lang="zh-CN" altLang="en-US"/>
           </a:p>
@@ -478,7 +481,7 @@
           <a:p>
             <a:fld id="{A16660C0-697F-4A71-A128-5BC4EBA1888E}" type="datetimeFigureOut">
               <a:rPr lang="zh-CN" altLang="en-US" smtClean="0"/>
-              <a:t>2024/9/10</a:t>
+              <a:t>2024/9/24</a:t>
             </a:fld>
             <a:endParaRPr lang="zh-CN" altLang="en-US"/>
           </a:p>
@@ -686,7 +689,7 @@
           <a:p>
             <a:fld id="{A16660C0-697F-4A71-A128-5BC4EBA1888E}" type="datetimeFigureOut">
               <a:rPr lang="zh-CN" altLang="en-US" smtClean="0"/>
-              <a:t>2024/9/10</a:t>
+              <a:t>2024/9/24</a:t>
             </a:fld>
             <a:endParaRPr lang="zh-CN" altLang="en-US"/>
           </a:p>
@@ -884,7 +887,7 @@
           <a:p>
             <a:fld id="{A16660C0-697F-4A71-A128-5BC4EBA1888E}" type="datetimeFigureOut">
               <a:rPr lang="zh-CN" altLang="en-US" smtClean="0"/>
-              <a:t>2024/9/10</a:t>
+              <a:t>2024/9/24</a:t>
             </a:fld>
             <a:endParaRPr lang="zh-CN" altLang="en-US"/>
           </a:p>
@@ -1159,7 +1162,7 @@
           <a:p>
             <a:fld id="{A16660C0-697F-4A71-A128-5BC4EBA1888E}" type="datetimeFigureOut">
               <a:rPr lang="zh-CN" altLang="en-US" smtClean="0"/>
-              <a:t>2024/9/10</a:t>
+              <a:t>2024/9/24</a:t>
             </a:fld>
             <a:endParaRPr lang="zh-CN" altLang="en-US"/>
           </a:p>
@@ -1424,7 +1427,7 @@
           <a:p>
             <a:fld id="{A16660C0-697F-4A71-A128-5BC4EBA1888E}" type="datetimeFigureOut">
               <a:rPr lang="zh-CN" altLang="en-US" smtClean="0"/>
-              <a:t>2024/9/10</a:t>
+              <a:t>2024/9/24</a:t>
             </a:fld>
             <a:endParaRPr lang="zh-CN" altLang="en-US"/>
           </a:p>
@@ -1836,7 +1839,7 @@
           <a:p>
             <a:fld id="{A16660C0-697F-4A71-A128-5BC4EBA1888E}" type="datetimeFigureOut">
               <a:rPr lang="zh-CN" altLang="en-US" smtClean="0"/>
-              <a:t>2024/9/10</a:t>
+              <a:t>2024/9/24</a:t>
             </a:fld>
             <a:endParaRPr lang="zh-CN" altLang="en-US"/>
           </a:p>
@@ -1977,7 +1980,7 @@
           <a:p>
             <a:fld id="{A16660C0-697F-4A71-A128-5BC4EBA1888E}" type="datetimeFigureOut">
               <a:rPr lang="zh-CN" altLang="en-US" smtClean="0"/>
-              <a:t>2024/9/10</a:t>
+              <a:t>2024/9/24</a:t>
             </a:fld>
             <a:endParaRPr lang="zh-CN" altLang="en-US"/>
           </a:p>
@@ -2090,7 +2093,7 @@
           <a:p>
             <a:fld id="{A16660C0-697F-4A71-A128-5BC4EBA1888E}" type="datetimeFigureOut">
               <a:rPr lang="zh-CN" altLang="en-US" smtClean="0"/>
-              <a:t>2024/9/10</a:t>
+              <a:t>2024/9/24</a:t>
             </a:fld>
             <a:endParaRPr lang="zh-CN" altLang="en-US"/>
           </a:p>
@@ -2401,7 +2404,7 @@
           <a:p>
             <a:fld id="{A16660C0-697F-4A71-A128-5BC4EBA1888E}" type="datetimeFigureOut">
               <a:rPr lang="zh-CN" altLang="en-US" smtClean="0"/>
-              <a:t>2024/9/10</a:t>
+              <a:t>2024/9/24</a:t>
             </a:fld>
             <a:endParaRPr lang="zh-CN" altLang="en-US"/>
           </a:p>
@@ -2689,7 +2692,7 @@
           <a:p>
             <a:fld id="{A16660C0-697F-4A71-A128-5BC4EBA1888E}" type="datetimeFigureOut">
               <a:rPr lang="zh-CN" altLang="en-US" smtClean="0"/>
-              <a:t>2024/9/10</a:t>
+              <a:t>2024/9/24</a:t>
             </a:fld>
             <a:endParaRPr lang="zh-CN" altLang="en-US"/>
           </a:p>
@@ -2930,7 +2933,7 @@
           <a:p>
             <a:fld id="{A16660C0-697F-4A71-A128-5BC4EBA1888E}" type="datetimeFigureOut">
               <a:rPr lang="zh-CN" altLang="en-US" smtClean="0"/>
-              <a:t>2024/9/10</a:t>
+              <a:t>2024/9/24</a:t>
             </a:fld>
             <a:endParaRPr lang="zh-CN" altLang="en-US"/>
           </a:p>
